--- a/project/part1-video/video_slides.pptx
+++ b/project/part1-video/video_slides.pptx
@@ -6,8 +6,11 @@
   </p:sldMasterIdLst>
   <p:sldIdLst>
     <p:sldId id="256" r:id="rId2"/>
-    <p:sldId id="257" r:id="rId3"/>
-    <p:sldId id="258" r:id="rId4"/>
+    <p:sldId id="260" r:id="rId3"/>
+    <p:sldId id="261" r:id="rId4"/>
+    <p:sldId id="259" r:id="rId5"/>
+    <p:sldId id="258" r:id="rId6"/>
+    <p:sldId id="257" r:id="rId7"/>
   </p:sldIdLst>
   <p:sldSz cx="12192000" cy="6858000"/>
   <p:notesSz cx="6858000" cy="9144000"/>
@@ -268,7 +271,7 @@
           <a:p>
             <a:fld id="{11EAACC7-3B3F-47D1-959A-EF58926E955E}" type="datetimeFigureOut">
               <a:rPr lang="en-US" smtClean="0"/>
-              <a:t>11/1/2023</a:t>
+              <a:t>11/2/2023</a:t>
             </a:fld>
             <a:endParaRPr lang="en-US"/>
           </a:p>
@@ -322,7 +325,7 @@
           <a:p>
             <a:fld id="{312CC964-A50B-4C29-B4E4-2C30BB34CCF3}" type="slidenum">
               <a:rPr lang="en-US" smtClean="0"/>
-              <a:t>‹#›</a:t>
+              <a:t>‹Nr.›</a:t>
             </a:fld>
             <a:endParaRPr lang="en-US"/>
           </a:p>
@@ -466,7 +469,7 @@
           <a:p>
             <a:fld id="{11EAACC7-3B3F-47D1-959A-EF58926E955E}" type="datetimeFigureOut">
               <a:rPr lang="en-US" smtClean="0"/>
-              <a:t>11/1/2023</a:t>
+              <a:t>11/2/2023</a:t>
             </a:fld>
             <a:endParaRPr lang="en-US"/>
           </a:p>
@@ -520,7 +523,7 @@
           <a:p>
             <a:fld id="{312CC964-A50B-4C29-B4E4-2C30BB34CCF3}" type="slidenum">
               <a:rPr lang="en-US" smtClean="0"/>
-              <a:t>‹#›</a:t>
+              <a:t>‹Nr.›</a:t>
             </a:fld>
             <a:endParaRPr lang="en-US"/>
           </a:p>
@@ -674,7 +677,7 @@
           <a:p>
             <a:fld id="{11EAACC7-3B3F-47D1-959A-EF58926E955E}" type="datetimeFigureOut">
               <a:rPr lang="en-US" smtClean="0"/>
-              <a:t>11/1/2023</a:t>
+              <a:t>11/2/2023</a:t>
             </a:fld>
             <a:endParaRPr lang="en-US"/>
           </a:p>
@@ -728,7 +731,7 @@
           <a:p>
             <a:fld id="{312CC964-A50B-4C29-B4E4-2C30BB34CCF3}" type="slidenum">
               <a:rPr lang="en-US" smtClean="0"/>
-              <a:t>‹#›</a:t>
+              <a:t>‹Nr.›</a:t>
             </a:fld>
             <a:endParaRPr lang="en-US"/>
           </a:p>
@@ -903,7 +906,7 @@
           <a:p>
             <a:fld id="{11EAACC7-3B3F-47D1-959A-EF58926E955E}" type="datetimeFigureOut">
               <a:rPr lang="en-US" smtClean="0"/>
-              <a:t>11/1/2023</a:t>
+              <a:t>11/2/2023</a:t>
             </a:fld>
             <a:endParaRPr lang="en-US" dirty="0"/>
           </a:p>
@@ -957,7 +960,7 @@
           <a:p>
             <a:fld id="{312CC964-A50B-4C29-B4E4-2C30BB34CCF3}" type="slidenum">
               <a:rPr lang="en-US" smtClean="0"/>
-              <a:t>‹#›</a:t>
+              <a:t>‹Nr.›</a:t>
             </a:fld>
             <a:endParaRPr lang="en-US"/>
           </a:p>
@@ -1178,7 +1181,7 @@
           <a:p>
             <a:fld id="{11EAACC7-3B3F-47D1-959A-EF58926E955E}" type="datetimeFigureOut">
               <a:rPr lang="en-US" smtClean="0"/>
-              <a:t>11/1/2023</a:t>
+              <a:t>11/2/2023</a:t>
             </a:fld>
             <a:endParaRPr lang="en-US"/>
           </a:p>
@@ -1232,7 +1235,7 @@
           <a:p>
             <a:fld id="{312CC964-A50B-4C29-B4E4-2C30BB34CCF3}" type="slidenum">
               <a:rPr lang="en-US" smtClean="0"/>
-              <a:t>‹#›</a:t>
+              <a:t>‹Nr.›</a:t>
             </a:fld>
             <a:endParaRPr lang="en-US"/>
           </a:p>
@@ -1444,7 +1447,7 @@
           <a:p>
             <a:fld id="{11EAACC7-3B3F-47D1-959A-EF58926E955E}" type="datetimeFigureOut">
               <a:rPr lang="en-US" smtClean="0"/>
-              <a:t>11/1/2023</a:t>
+              <a:t>11/2/2023</a:t>
             </a:fld>
             <a:endParaRPr lang="en-US"/>
           </a:p>
@@ -1498,7 +1501,7 @@
           <a:p>
             <a:fld id="{312CC964-A50B-4C29-B4E4-2C30BB34CCF3}" type="slidenum">
               <a:rPr lang="en-US" smtClean="0"/>
-              <a:t>‹#›</a:t>
+              <a:t>‹Nr.›</a:t>
             </a:fld>
             <a:endParaRPr lang="en-US"/>
           </a:p>
@@ -1861,7 +1864,7 @@
           <a:p>
             <a:fld id="{11EAACC7-3B3F-47D1-959A-EF58926E955E}" type="datetimeFigureOut">
               <a:rPr lang="en-US" smtClean="0"/>
-              <a:t>11/1/2023</a:t>
+              <a:t>11/2/2023</a:t>
             </a:fld>
             <a:endParaRPr lang="en-US"/>
           </a:p>
@@ -1915,7 +1918,7 @@
           <a:p>
             <a:fld id="{312CC964-A50B-4C29-B4E4-2C30BB34CCF3}" type="slidenum">
               <a:rPr lang="en-US" smtClean="0"/>
-              <a:t>‹#›</a:t>
+              <a:t>‹Nr.›</a:t>
             </a:fld>
             <a:endParaRPr lang="en-US"/>
           </a:p>
@@ -2002,7 +2005,7 @@
           <a:p>
             <a:fld id="{11EAACC7-3B3F-47D1-959A-EF58926E955E}" type="datetimeFigureOut">
               <a:rPr lang="en-US" smtClean="0"/>
-              <a:t>11/1/2023</a:t>
+              <a:t>11/2/2023</a:t>
             </a:fld>
             <a:endParaRPr lang="en-US"/>
           </a:p>
@@ -2056,7 +2059,7 @@
           <a:p>
             <a:fld id="{312CC964-A50B-4C29-B4E4-2C30BB34CCF3}" type="slidenum">
               <a:rPr lang="en-US" smtClean="0"/>
-              <a:t>‹#›</a:t>
+              <a:t>‹Nr.›</a:t>
             </a:fld>
             <a:endParaRPr lang="en-US"/>
           </a:p>
@@ -2115,7 +2118,7 @@
           <a:p>
             <a:fld id="{11EAACC7-3B3F-47D1-959A-EF58926E955E}" type="datetimeFigureOut">
               <a:rPr lang="en-US" smtClean="0"/>
-              <a:t>11/1/2023</a:t>
+              <a:t>11/2/2023</a:t>
             </a:fld>
             <a:endParaRPr lang="en-US"/>
           </a:p>
@@ -2169,7 +2172,7 @@
           <a:p>
             <a:fld id="{312CC964-A50B-4C29-B4E4-2C30BB34CCF3}" type="slidenum">
               <a:rPr lang="en-US" smtClean="0"/>
-              <a:t>‹#›</a:t>
+              <a:t>‹Nr.›</a:t>
             </a:fld>
             <a:endParaRPr lang="en-US"/>
           </a:p>
@@ -2426,7 +2429,7 @@
           <a:p>
             <a:fld id="{11EAACC7-3B3F-47D1-959A-EF58926E955E}" type="datetimeFigureOut">
               <a:rPr lang="en-US" smtClean="0"/>
-              <a:t>11/1/2023</a:t>
+              <a:t>11/2/2023</a:t>
             </a:fld>
             <a:endParaRPr lang="en-US"/>
           </a:p>
@@ -2480,7 +2483,7 @@
           <a:p>
             <a:fld id="{312CC964-A50B-4C29-B4E4-2C30BB34CCF3}" type="slidenum">
               <a:rPr lang="en-US" smtClean="0"/>
-              <a:t>‹#›</a:t>
+              <a:t>‹Nr.›</a:t>
             </a:fld>
             <a:endParaRPr lang="en-US"/>
           </a:p>
@@ -2717,7 +2720,7 @@
           <a:p>
             <a:fld id="{11EAACC7-3B3F-47D1-959A-EF58926E955E}" type="datetimeFigureOut">
               <a:rPr lang="en-US" smtClean="0"/>
-              <a:t>11/1/2023</a:t>
+              <a:t>11/2/2023</a:t>
             </a:fld>
             <a:endParaRPr lang="en-US"/>
           </a:p>
@@ -2771,7 +2774,7 @@
           <a:p>
             <a:fld id="{312CC964-A50B-4C29-B4E4-2C30BB34CCF3}" type="slidenum">
               <a:rPr lang="en-US" smtClean="0"/>
-              <a:t>‹#›</a:t>
+              <a:t>‹Nr.›</a:t>
             </a:fld>
             <a:endParaRPr lang="en-US"/>
           </a:p>
@@ -3274,7 +3277,7 @@
           <a:p>
             <a:fld id="{11EAACC7-3B3F-47D1-959A-EF58926E955E}" type="datetimeFigureOut">
               <a:rPr lang="en-US" smtClean="0"/>
-              <a:t>11/1/2023</a:t>
+              <a:t>11/2/2023</a:t>
             </a:fld>
             <a:endParaRPr lang="en-US"/>
           </a:p>
@@ -3366,7 +3369,7 @@
           <a:p>
             <a:fld id="{312CC964-A50B-4C29-B4E4-2C30BB34CCF3}" type="slidenum">
               <a:rPr lang="en-US" smtClean="0"/>
-              <a:t>‹#›</a:t>
+              <a:t>‹Nr.›</a:t>
             </a:fld>
             <a:endParaRPr lang="en-US"/>
           </a:p>
@@ -3989,19 +3992,7 @@
                 <a:ea typeface="Calibri" panose="020F0502020204030204" pitchFamily="34" charset="0"/>
                 <a:cs typeface="Calibri" panose="020F0502020204030204" pitchFamily="34" charset="0"/>
               </a:rPr>
-              <a:t>Data</a:t>
-            </a:r>
-            <a:r>
-              <a:rPr lang="en-US" dirty="0"/>
-              <a:t> </a:t>
-            </a:r>
-            <a:r>
-              <a:rPr lang="en-US" sz="5900" i="0" dirty="0">
-                <a:latin typeface="Calibri" panose="020F0502020204030204" pitchFamily="34" charset="0"/>
-                <a:ea typeface="Calibri" panose="020F0502020204030204" pitchFamily="34" charset="0"/>
-                <a:cs typeface="Calibri" panose="020F0502020204030204" pitchFamily="34" charset="0"/>
-              </a:rPr>
-              <a:t>source</a:t>
+              <a:t>Project idea</a:t>
             </a:r>
             <a:endParaRPr lang="de-AT" sz="5900" i="0" dirty="0">
               <a:latin typeface="Calibri" panose="020F0502020204030204" pitchFamily="34" charset="0"/>
@@ -4029,9 +4020,44 @@
         </p:nvSpPr>
         <p:spPr/>
         <p:txBody>
-          <a:bodyPr/>
-          <a:lstStyle/>
-          <a:p>
+          <a:bodyPr>
+            <a:normAutofit/>
+          </a:bodyPr>
+          <a:lstStyle/>
+          <a:p>
+            <a:r>
+              <a:rPr lang="en-US" dirty="0"/>
+              <a:t>Analyze subset of Most Valuable Wikipedia pages</a:t>
+            </a:r>
+          </a:p>
+          <a:p>
+            <a:r>
+              <a:rPr lang="en-US" dirty="0"/>
+              <a:t>Analyze page content, correlate with history and related talk page</a:t>
+            </a:r>
+          </a:p>
+          <a:p>
+            <a:r>
+              <a:rPr lang="en-US" dirty="0"/>
+              <a:t>Find patterns in discussions, page content and history</a:t>
+            </a:r>
+          </a:p>
+          <a:p>
+            <a:r>
+              <a:rPr lang="en-US" dirty="0"/>
+              <a:t>Find page sentiments by category, discussion, page content, etc.</a:t>
+            </a:r>
+          </a:p>
+          <a:p>
+            <a:r>
+              <a:rPr lang="en-US" dirty="0"/>
+              <a:t>Find patterns in page contributions, discussions by users</a:t>
+            </a:r>
+          </a:p>
+          <a:p>
+            <a:pPr marL="0" indent="0">
+              <a:buNone/>
+            </a:pPr>
             <a:endParaRPr lang="de-AT" dirty="0"/>
           </a:p>
         </p:txBody>
@@ -4039,7 +4065,7 @@
     </p:spTree>
     <p:extLst>
       <p:ext uri="{BB962C8B-B14F-4D97-AF65-F5344CB8AC3E}">
-        <p14:creationId xmlns:p14="http://schemas.microsoft.com/office/powerpoint/2010/main" val="471413318"/>
+        <p14:creationId xmlns:p14="http://schemas.microsoft.com/office/powerpoint/2010/main" val="2802439455"/>
       </p:ext>
     </p:extLst>
   </p:cSld>
@@ -4068,6 +4094,304 @@
       </p:grpSpPr>
       <p:sp>
         <p:nvSpPr>
+          <p:cNvPr id="2" name="Titel 1">
+            <a:extLst>
+              <a:ext uri="{FF2B5EF4-FFF2-40B4-BE49-F238E27FC236}">
+                <a16:creationId xmlns:a16="http://schemas.microsoft.com/office/drawing/2014/main" id="{EDBB9838-CE12-27A3-7269-8720E3CD286A}"/>
+              </a:ext>
+            </a:extLst>
+          </p:cNvPr>
+          <p:cNvSpPr>
+            <a:spLocks noGrp="1"/>
+          </p:cNvSpPr>
+          <p:nvPr>
+            <p:ph type="title"/>
+          </p:nvPr>
+        </p:nvSpPr>
+        <p:spPr>
+          <a:xfrm>
+            <a:off x="642664" y="1902372"/>
+            <a:ext cx="10515600" cy="1735192"/>
+          </a:xfrm>
+        </p:spPr>
+        <p:txBody>
+          <a:bodyPr>
+            <a:normAutofit fontScale="90000"/>
+          </a:bodyPr>
+          <a:lstStyle/>
+          <a:p>
+            <a:pPr algn="ctr"/>
+            <a:r>
+              <a:rPr lang="en-GB" sz="8000" i="0" dirty="0">
+                <a:latin typeface="Calibri" panose="020F0502020204030204" pitchFamily="34" charset="0"/>
+                <a:ea typeface="Calibri" panose="020F0502020204030204" pitchFamily="34" charset="0"/>
+                <a:cs typeface="Calibri" panose="020F0502020204030204" pitchFamily="34" charset="0"/>
+              </a:rPr>
+              <a:t>Why do </a:t>
+            </a:r>
+            <a:br>
+              <a:rPr lang="en-GB" sz="8000" i="0" dirty="0">
+                <a:latin typeface="Calibri" panose="020F0502020204030204" pitchFamily="34" charset="0"/>
+                <a:ea typeface="Calibri" panose="020F0502020204030204" pitchFamily="34" charset="0"/>
+                <a:cs typeface="Calibri" panose="020F0502020204030204" pitchFamily="34" charset="0"/>
+              </a:rPr>
+            </a:br>
+            <a:r>
+              <a:rPr lang="en-GB" sz="8000" i="0" dirty="0">
+                <a:latin typeface="Calibri" panose="020F0502020204030204" pitchFamily="34" charset="0"/>
+                <a:ea typeface="Calibri" panose="020F0502020204030204" pitchFamily="34" charset="0"/>
+                <a:cs typeface="Calibri" panose="020F0502020204030204" pitchFamily="34" charset="0"/>
+              </a:rPr>
+              <a:t>this</a:t>
+            </a:r>
+            <a:r>
+              <a:rPr lang="en-GB" sz="8000" dirty="0"/>
+              <a:t>?</a:t>
+            </a:r>
+            <a:endParaRPr lang="de-AT" sz="8000" dirty="0"/>
+          </a:p>
+        </p:txBody>
+      </p:sp>
+      <p:sp>
+        <p:nvSpPr>
+          <p:cNvPr id="3" name="Textplatzhalter 2">
+            <a:extLst>
+              <a:ext uri="{FF2B5EF4-FFF2-40B4-BE49-F238E27FC236}">
+                <a16:creationId xmlns:a16="http://schemas.microsoft.com/office/drawing/2014/main" id="{E4205A52-0ECA-D433-BEB9-749AE2DB43B1}"/>
+              </a:ext>
+            </a:extLst>
+          </p:cNvPr>
+          <p:cNvSpPr>
+            <a:spLocks noGrp="1"/>
+          </p:cNvSpPr>
+          <p:nvPr>
+            <p:ph type="body" idx="1"/>
+          </p:nvPr>
+        </p:nvSpPr>
+        <p:spPr>
+          <a:xfrm>
+            <a:off x="642664" y="3664552"/>
+            <a:ext cx="10515600" cy="1500187"/>
+          </a:xfrm>
+        </p:spPr>
+        <p:txBody>
+          <a:bodyPr>
+            <a:normAutofit/>
+          </a:bodyPr>
+          <a:lstStyle/>
+          <a:p>
+            <a:pPr algn="ctr"/>
+            <a:r>
+              <a:rPr lang="en-GB" sz="3200" b="1" dirty="0"/>
+              <a:t>Because we can.</a:t>
+            </a:r>
+            <a:endParaRPr lang="de-AT" sz="3200" b="1" dirty="0"/>
+          </a:p>
+        </p:txBody>
+      </p:sp>
+      <p:pic>
+        <p:nvPicPr>
+          <p:cNvPr id="4" name="Picture 3">
+            <a:extLst>
+              <a:ext uri="{FF2B5EF4-FFF2-40B4-BE49-F238E27FC236}">
+                <a16:creationId xmlns:a16="http://schemas.microsoft.com/office/drawing/2014/main" id="{B1ACCC6A-A369-2FCD-928F-825530A3CDAC}"/>
+              </a:ext>
+            </a:extLst>
+          </p:cNvPr>
+          <p:cNvPicPr>
+            <a:picLocks noChangeAspect="1"/>
+          </p:cNvPicPr>
+          <p:nvPr/>
+        </p:nvPicPr>
+        <p:blipFill rotWithShape="1">
+          <a:blip r:embed="rId2"/>
+          <a:srcRect l="15853" r="32711" b="-1"/>
+          <a:stretch/>
+        </p:blipFill>
+        <p:spPr>
+          <a:xfrm rot="10800000">
+            <a:off x="0" y="0"/>
+            <a:ext cx="3541857" cy="6886079"/>
+          </a:xfrm>
+          <a:custGeom>
+            <a:avLst/>
+            <a:gdLst/>
+            <a:ahLst/>
+            <a:cxnLst/>
+            <a:rect l="l" t="t" r="r" b="b"/>
+            <a:pathLst>
+              <a:path w="3541857" h="6886079">
+                <a:moveTo>
+                  <a:pt x="1248072" y="0"/>
+                </a:moveTo>
+                <a:lnTo>
+                  <a:pt x="3541857" y="0"/>
+                </a:lnTo>
+                <a:lnTo>
+                  <a:pt x="3541857" y="6886079"/>
+                </a:lnTo>
+                <a:lnTo>
+                  <a:pt x="0" y="6864521"/>
+                </a:lnTo>
+                <a:close/>
+              </a:path>
+            </a:pathLst>
+          </a:custGeom>
+        </p:spPr>
+      </p:pic>
+    </p:spTree>
+    <p:extLst>
+      <p:ext uri="{BB962C8B-B14F-4D97-AF65-F5344CB8AC3E}">
+        <p14:creationId xmlns:p14="http://schemas.microsoft.com/office/powerpoint/2010/main" val="3601159041"/>
+      </p:ext>
+    </p:extLst>
+  </p:cSld>
+  <p:clrMapOvr>
+    <a:masterClrMapping/>
+  </p:clrMapOvr>
+</p:sld>
+</file>
+
+<file path=ppt/slides/slide4.xml><?xml version="1.0" encoding="utf-8"?>
+<p:sld xmlns:a="http://schemas.openxmlformats.org/drawingml/2006/main" xmlns:r="http://schemas.openxmlformats.org/officeDocument/2006/relationships" xmlns:p="http://schemas.openxmlformats.org/presentationml/2006/main">
+  <p:cSld>
+    <p:spTree>
+      <p:nvGrpSpPr>
+        <p:cNvPr id="1" name=""/>
+        <p:cNvGrpSpPr/>
+        <p:nvPr/>
+      </p:nvGrpSpPr>
+      <p:grpSpPr>
+        <a:xfrm>
+          <a:off x="0" y="0"/>
+          <a:ext cx="0" cy="0"/>
+          <a:chOff x="0" y="0"/>
+          <a:chExt cx="0" cy="0"/>
+        </a:xfrm>
+      </p:grpSpPr>
+      <p:sp>
+        <p:nvSpPr>
+          <p:cNvPr id="2" name="Title 1">
+            <a:extLst>
+              <a:ext uri="{FF2B5EF4-FFF2-40B4-BE49-F238E27FC236}">
+                <a16:creationId xmlns:a16="http://schemas.microsoft.com/office/drawing/2014/main" id="{B725C750-3653-8126-C05C-EFCE052BB13F}"/>
+              </a:ext>
+            </a:extLst>
+          </p:cNvPr>
+          <p:cNvSpPr>
+            <a:spLocks noGrp="1"/>
+          </p:cNvSpPr>
+          <p:nvPr>
+            <p:ph type="title"/>
+          </p:nvPr>
+        </p:nvSpPr>
+        <p:spPr/>
+        <p:txBody>
+          <a:bodyPr/>
+          <a:lstStyle/>
+          <a:p>
+            <a:r>
+              <a:rPr lang="en-US" sz="5900" i="0" dirty="0">
+                <a:latin typeface="Calibri" panose="020F0502020204030204" pitchFamily="34" charset="0"/>
+                <a:ea typeface="Calibri" panose="020F0502020204030204" pitchFamily="34" charset="0"/>
+                <a:cs typeface="Calibri" panose="020F0502020204030204" pitchFamily="34" charset="0"/>
+              </a:rPr>
+              <a:t>Data exploration</a:t>
+            </a:r>
+            <a:endParaRPr lang="de-AT" sz="5900" i="0" dirty="0">
+              <a:latin typeface="Calibri" panose="020F0502020204030204" pitchFamily="34" charset="0"/>
+              <a:ea typeface="Calibri" panose="020F0502020204030204" pitchFamily="34" charset="0"/>
+              <a:cs typeface="Calibri" panose="020F0502020204030204" pitchFamily="34" charset="0"/>
+            </a:endParaRPr>
+          </a:p>
+        </p:txBody>
+      </p:sp>
+      <p:sp>
+        <p:nvSpPr>
+          <p:cNvPr id="3" name="Content Placeholder 2">
+            <a:extLst>
+              <a:ext uri="{FF2B5EF4-FFF2-40B4-BE49-F238E27FC236}">
+                <a16:creationId xmlns:a16="http://schemas.microsoft.com/office/drawing/2014/main" id="{24631E8A-42E1-38B6-4A60-EC1D2D510011}"/>
+              </a:ext>
+            </a:extLst>
+          </p:cNvPr>
+          <p:cNvSpPr>
+            <a:spLocks noGrp="1"/>
+          </p:cNvSpPr>
+          <p:nvPr>
+            <p:ph idx="1"/>
+          </p:nvPr>
+        </p:nvSpPr>
+        <p:spPr/>
+        <p:txBody>
+          <a:bodyPr/>
+          <a:lstStyle/>
+          <a:p>
+            <a:r>
+              <a:rPr lang="en-GB" dirty="0"/>
+              <a:t>Data scraped using Wikipedia API</a:t>
+            </a:r>
+          </a:p>
+          <a:p>
+            <a:r>
+              <a:rPr lang="en-GB" dirty="0"/>
+              <a:t>Number of pages: 1000 (depending on level)</a:t>
+            </a:r>
+          </a:p>
+          <a:p>
+            <a:r>
+              <a:rPr lang="en-GB" dirty="0"/>
+              <a:t>Network generated from links between pages</a:t>
+            </a:r>
+          </a:p>
+          <a:p>
+            <a:r>
+              <a:rPr lang="en-GB" dirty="0"/>
+              <a:t>Add user-nodes based on article discussion or edits to network</a:t>
+            </a:r>
+            <a:endParaRPr lang="de-AT" dirty="0"/>
+          </a:p>
+          <a:p>
+            <a:endParaRPr lang="de-AT" dirty="0"/>
+          </a:p>
+          <a:p>
+            <a:pPr lvl="1"/>
+            <a:endParaRPr lang="en-US" dirty="0"/>
+          </a:p>
+        </p:txBody>
+      </p:sp>
+    </p:spTree>
+    <p:extLst>
+      <p:ext uri="{BB962C8B-B14F-4D97-AF65-F5344CB8AC3E}">
+        <p14:creationId xmlns:p14="http://schemas.microsoft.com/office/powerpoint/2010/main" val="3540419563"/>
+      </p:ext>
+    </p:extLst>
+  </p:cSld>
+  <p:clrMapOvr>
+    <a:masterClrMapping/>
+  </p:clrMapOvr>
+</p:sld>
+</file>
+
+<file path=ppt/slides/slide5.xml><?xml version="1.0" encoding="utf-8"?>
+<p:sld xmlns:a="http://schemas.openxmlformats.org/drawingml/2006/main" xmlns:r="http://schemas.openxmlformats.org/officeDocument/2006/relationships" xmlns:p="http://schemas.openxmlformats.org/presentationml/2006/main" show="0">
+  <p:cSld>
+    <p:spTree>
+      <p:nvGrpSpPr>
+        <p:cNvPr id="1" name=""/>
+        <p:cNvGrpSpPr/>
+        <p:nvPr/>
+      </p:nvGrpSpPr>
+      <p:grpSpPr>
+        <a:xfrm>
+          <a:off x="0" y="0"/>
+          <a:ext cx="0" cy="0"/>
+          <a:chOff x="0" y="0"/>
+          <a:chExt cx="0" cy="0"/>
+        </a:xfrm>
+      </p:grpSpPr>
+      <p:sp>
+        <p:nvSpPr>
           <p:cNvPr id="2" name="Title 1">
             <a:extLst>
               <a:ext uri="{FF2B5EF4-FFF2-40B4-BE49-F238E27FC236}">
@@ -4138,18 +4462,46 @@
           <a:p>
             <a:r>
               <a:rPr lang="en-US" dirty="0"/>
-              <a:t>Subset of Wikipedia pages</a:t>
+              <a:t>Set of English Wikipedia pages: </a:t>
+            </a:r>
+            <a:r>
+              <a:rPr lang="en-US" b="1" dirty="0"/>
+              <a:t>Vital articles</a:t>
             </a:r>
           </a:p>
           <a:p>
             <a:r>
               <a:rPr lang="en-US" dirty="0"/>
-              <a:t>Page contents</a:t>
-            </a:r>
-            <a:r>
-              <a:rPr lang="de-AT" dirty="0"/>
-              <a:t>, </a:t>
-            </a:r>
+              <a:t>Contains most important pages</a:t>
+            </a:r>
+          </a:p>
+          <a:p>
+            <a:r>
+              <a:rPr lang="en-US" dirty="0"/>
+              <a:t>Multiple levels with different number of articles</a:t>
+            </a:r>
+          </a:p>
+          <a:p>
+            <a:r>
+              <a:rPr lang="en-US" dirty="0"/>
+              <a:t>Each level organized into categories</a:t>
+            </a:r>
+          </a:p>
+          <a:p>
+            <a:r>
+              <a:rPr lang="en-US" dirty="0"/>
+              <a:t>We will consider:</a:t>
+            </a:r>
+          </a:p>
+          <a:p>
+            <a:pPr lvl="1"/>
+            <a:r>
+              <a:rPr lang="en-US" dirty="0"/>
+              <a:t>Page contents </a:t>
+            </a:r>
+          </a:p>
+          <a:p>
+            <a:pPr lvl="1"/>
             <a:r>
               <a:rPr lang="de-AT" dirty="0" err="1"/>
               <a:t>related</a:t>
@@ -4162,10 +4514,10 @@
               <a:rPr lang="de-AT" dirty="0" err="1"/>
               <a:t>discussions</a:t>
             </a:r>
-            <a:r>
-              <a:rPr lang="de-AT" dirty="0"/>
-              <a:t>, </a:t>
-            </a:r>
+            <a:endParaRPr lang="de-AT" dirty="0"/>
+          </a:p>
+          <a:p>
+            <a:pPr lvl="1"/>
             <a:r>
               <a:rPr lang="de-AT" dirty="0" err="1"/>
               <a:t>page</a:t>
@@ -4178,6 +4530,13 @@
               <a:rPr lang="de-AT" dirty="0" err="1"/>
               <a:t>history</a:t>
             </a:r>
+            <a:endParaRPr lang="de-AT" dirty="0"/>
+          </a:p>
+          <a:p>
+            <a:endParaRPr lang="de-AT" dirty="0"/>
+          </a:p>
+          <a:p>
+            <a:pPr lvl="1"/>
             <a:endParaRPr lang="en-US" dirty="0"/>
           </a:p>
         </p:txBody>
@@ -4186,6 +4545,140 @@
     <p:extLst>
       <p:ext uri="{BB962C8B-B14F-4D97-AF65-F5344CB8AC3E}">
         <p14:creationId xmlns:p14="http://schemas.microsoft.com/office/powerpoint/2010/main" val="864484030"/>
+      </p:ext>
+    </p:extLst>
+  </p:cSld>
+  <p:clrMapOvr>
+    <a:masterClrMapping/>
+  </p:clrMapOvr>
+</p:sld>
+</file>
+
+<file path=ppt/slides/slide6.xml><?xml version="1.0" encoding="utf-8"?>
+<p:sld xmlns:a="http://schemas.openxmlformats.org/drawingml/2006/main" xmlns:r="http://schemas.openxmlformats.org/officeDocument/2006/relationships" xmlns:p="http://schemas.openxmlformats.org/presentationml/2006/main" show="0">
+  <p:cSld>
+    <p:spTree>
+      <p:nvGrpSpPr>
+        <p:cNvPr id="1" name=""/>
+        <p:cNvGrpSpPr/>
+        <p:nvPr/>
+      </p:nvGrpSpPr>
+      <p:grpSpPr>
+        <a:xfrm>
+          <a:off x="0" y="0"/>
+          <a:ext cx="0" cy="0"/>
+          <a:chOff x="0" y="0"/>
+          <a:chExt cx="0" cy="0"/>
+        </a:xfrm>
+      </p:grpSpPr>
+      <p:sp>
+        <p:nvSpPr>
+          <p:cNvPr id="2" name="Title 1">
+            <a:extLst>
+              <a:ext uri="{FF2B5EF4-FFF2-40B4-BE49-F238E27FC236}">
+                <a16:creationId xmlns:a16="http://schemas.microsoft.com/office/drawing/2014/main" id="{B725C750-3653-8126-C05C-EFCE052BB13F}"/>
+              </a:ext>
+            </a:extLst>
+          </p:cNvPr>
+          <p:cNvSpPr>
+            <a:spLocks noGrp="1"/>
+          </p:cNvSpPr>
+          <p:nvPr>
+            <p:ph type="title"/>
+          </p:nvPr>
+        </p:nvSpPr>
+        <p:spPr/>
+        <p:txBody>
+          <a:bodyPr/>
+          <a:lstStyle/>
+          <a:p>
+            <a:r>
+              <a:rPr lang="en-US" sz="5900" i="0" dirty="0">
+                <a:latin typeface="Calibri" panose="020F0502020204030204" pitchFamily="34" charset="0"/>
+                <a:ea typeface="Calibri" panose="020F0502020204030204" pitchFamily="34" charset="0"/>
+                <a:cs typeface="Calibri" panose="020F0502020204030204" pitchFamily="34" charset="0"/>
+              </a:rPr>
+              <a:t>Research questions</a:t>
+            </a:r>
+            <a:endParaRPr lang="de-AT" sz="5900" i="0" dirty="0">
+              <a:latin typeface="Calibri" panose="020F0502020204030204" pitchFamily="34" charset="0"/>
+              <a:ea typeface="Calibri" panose="020F0502020204030204" pitchFamily="34" charset="0"/>
+              <a:cs typeface="Calibri" panose="020F0502020204030204" pitchFamily="34" charset="0"/>
+            </a:endParaRPr>
+          </a:p>
+        </p:txBody>
+      </p:sp>
+      <p:sp>
+        <p:nvSpPr>
+          <p:cNvPr id="3" name="Content Placeholder 2">
+            <a:extLst>
+              <a:ext uri="{FF2B5EF4-FFF2-40B4-BE49-F238E27FC236}">
+                <a16:creationId xmlns:a16="http://schemas.microsoft.com/office/drawing/2014/main" id="{24631E8A-42E1-38B6-4A60-EC1D2D510011}"/>
+              </a:ext>
+            </a:extLst>
+          </p:cNvPr>
+          <p:cNvSpPr>
+            <a:spLocks noGrp="1"/>
+          </p:cNvSpPr>
+          <p:nvPr>
+            <p:ph idx="1"/>
+          </p:nvPr>
+        </p:nvSpPr>
+        <p:spPr/>
+        <p:txBody>
+          <a:bodyPr>
+            <a:normAutofit/>
+          </a:bodyPr>
+          <a:lstStyle/>
+          <a:p>
+            <a:r>
+              <a:rPr lang="en-US" dirty="0"/>
+              <a:t>Do users who edit a lot also discuss a lot about an article?</a:t>
+            </a:r>
+          </a:p>
+          <a:p>
+            <a:r>
+              <a:rPr lang="en-US" dirty="0"/>
+              <a:t>Do users usually focus on editing certain categories?</a:t>
+            </a:r>
+          </a:p>
+          <a:p>
+            <a:r>
+              <a:rPr lang="en-US" dirty="0"/>
+              <a:t>Find sentiment in discussions of pages, potentially per category. </a:t>
+            </a:r>
+          </a:p>
+          <a:p>
+            <a:r>
+              <a:rPr lang="en-US" dirty="0"/>
+              <a:t>Find sentiment for article content per category</a:t>
+            </a:r>
+          </a:p>
+          <a:p>
+            <a:r>
+              <a:rPr lang="en-US" dirty="0"/>
+              <a:t>Correlate article categories with edit activity, user discussion participation, etc.</a:t>
+            </a:r>
+          </a:p>
+          <a:p>
+            <a:r>
+              <a:rPr lang="en-US" dirty="0"/>
+              <a:t>Connect pages with each other. Do page connection clusters correlate to categories?</a:t>
+            </a:r>
+          </a:p>
+          <a:p>
+            <a:r>
+              <a:rPr lang="en-US" dirty="0"/>
+              <a:t>Are there any users appearing often together in the same discussion page?</a:t>
+            </a:r>
+            <a:endParaRPr lang="de-AT" dirty="0"/>
+          </a:p>
+        </p:txBody>
+      </p:sp>
+    </p:spTree>
+    <p:extLst>
+      <p:ext uri="{BB962C8B-B14F-4D97-AF65-F5344CB8AC3E}">
+        <p14:creationId xmlns:p14="http://schemas.microsoft.com/office/powerpoint/2010/main" val="471413318"/>
       </p:ext>
     </p:extLst>
   </p:cSld>
